--- a/pslides/pivot.pptx
+++ b/pslides/pivot.pptx
@@ -202,7 +202,7 @@
           <a:p>
             <a:fld id="{067B1328-FBA7-A54A-86BE-4FAFCAA9311A}" type="datetimeFigureOut">
               <a:rPr lang="en-US" smtClean="0"/>
-              <a:t>9/17/21</a:t>
+              <a:t>9/22/21</a:t>
             </a:fld>
             <a:endParaRPr lang="en-US"/>
           </a:p>
@@ -1121,7 +1121,7 @@
           <a:p>
             <a:fld id="{7B9169B0-A344-9A43-AAD5-682508993835}" type="datetimeFigureOut">
               <a:rPr lang="fr-FR" smtClean="0"/>
-              <a:t>17/09/2021</a:t>
+              <a:t>22/09/2021</a:t>
             </a:fld>
             <a:endParaRPr lang="fr-FR"/>
           </a:p>
@@ -1319,7 +1319,7 @@
           <a:p>
             <a:fld id="{7B9169B0-A344-9A43-AAD5-682508993835}" type="datetimeFigureOut">
               <a:rPr lang="fr-FR" smtClean="0"/>
-              <a:t>17/09/2021</a:t>
+              <a:t>22/09/2021</a:t>
             </a:fld>
             <a:endParaRPr lang="fr-FR"/>
           </a:p>
@@ -1527,7 +1527,7 @@
           <a:p>
             <a:fld id="{7B9169B0-A344-9A43-AAD5-682508993835}" type="datetimeFigureOut">
               <a:rPr lang="fr-FR" smtClean="0"/>
-              <a:t>17/09/2021</a:t>
+              <a:t>22/09/2021</a:t>
             </a:fld>
             <a:endParaRPr lang="fr-FR"/>
           </a:p>
@@ -1725,7 +1725,7 @@
           <a:p>
             <a:fld id="{7B9169B0-A344-9A43-AAD5-682508993835}" type="datetimeFigureOut">
               <a:rPr lang="fr-FR" smtClean="0"/>
-              <a:t>17/09/2021</a:t>
+              <a:t>22/09/2021</a:t>
             </a:fld>
             <a:endParaRPr lang="fr-FR"/>
           </a:p>
@@ -2000,7 +2000,7 @@
           <a:p>
             <a:fld id="{7B9169B0-A344-9A43-AAD5-682508993835}" type="datetimeFigureOut">
               <a:rPr lang="fr-FR" smtClean="0"/>
-              <a:t>17/09/2021</a:t>
+              <a:t>22/09/2021</a:t>
             </a:fld>
             <a:endParaRPr lang="fr-FR"/>
           </a:p>
@@ -2265,7 +2265,7 @@
           <a:p>
             <a:fld id="{7B9169B0-A344-9A43-AAD5-682508993835}" type="datetimeFigureOut">
               <a:rPr lang="fr-FR" smtClean="0"/>
-              <a:t>17/09/2021</a:t>
+              <a:t>22/09/2021</a:t>
             </a:fld>
             <a:endParaRPr lang="fr-FR"/>
           </a:p>
@@ -2677,7 +2677,7 @@
           <a:p>
             <a:fld id="{7B9169B0-A344-9A43-AAD5-682508993835}" type="datetimeFigureOut">
               <a:rPr lang="fr-FR" smtClean="0"/>
-              <a:t>17/09/2021</a:t>
+              <a:t>22/09/2021</a:t>
             </a:fld>
             <a:endParaRPr lang="fr-FR"/>
           </a:p>
@@ -2818,7 +2818,7 @@
           <a:p>
             <a:fld id="{7B9169B0-A344-9A43-AAD5-682508993835}" type="datetimeFigureOut">
               <a:rPr lang="fr-FR" smtClean="0"/>
-              <a:t>17/09/2021</a:t>
+              <a:t>22/09/2021</a:t>
             </a:fld>
             <a:endParaRPr lang="fr-FR"/>
           </a:p>
@@ -2931,7 +2931,7 @@
           <a:p>
             <a:fld id="{7B9169B0-A344-9A43-AAD5-682508993835}" type="datetimeFigureOut">
               <a:rPr lang="fr-FR" smtClean="0"/>
-              <a:t>17/09/2021</a:t>
+              <a:t>22/09/2021</a:t>
             </a:fld>
             <a:endParaRPr lang="fr-FR"/>
           </a:p>
@@ -3242,7 +3242,7 @@
           <a:p>
             <a:fld id="{7B9169B0-A344-9A43-AAD5-682508993835}" type="datetimeFigureOut">
               <a:rPr lang="fr-FR" smtClean="0"/>
-              <a:t>17/09/2021</a:t>
+              <a:t>22/09/2021</a:t>
             </a:fld>
             <a:endParaRPr lang="fr-FR"/>
           </a:p>
@@ -3530,7 +3530,7 @@
           <a:p>
             <a:fld id="{7B9169B0-A344-9A43-AAD5-682508993835}" type="datetimeFigureOut">
               <a:rPr lang="fr-FR" smtClean="0"/>
-              <a:t>17/09/2021</a:t>
+              <a:t>22/09/2021</a:t>
             </a:fld>
             <a:endParaRPr lang="fr-FR"/>
           </a:p>
@@ -3771,7 +3771,7 @@
           <a:p>
             <a:fld id="{7B9169B0-A344-9A43-AAD5-682508993835}" type="datetimeFigureOut">
               <a:rPr lang="fr-FR" smtClean="0"/>
-              <a:t>17/09/2021</a:t>
+              <a:t>22/09/2021</a:t>
             </a:fld>
             <a:endParaRPr lang="fr-FR"/>
           </a:p>
@@ -11383,7 +11383,7 @@
           <a:p>
             <a:r>
               <a:rPr lang="fr-FR" sz="2400" noProof="1"/>
-              <a:t>When pivoting wider, there is a chance that some values in the new table do no correspond to anything in the longer table. These are missing by default, but we can set a different default if needed. </a:t>
+              <a:t>When pivoting wider, there is a chance that some values in the new table do not correspond to anything in the longer table. These are missing by default, but we can set a different default if needed. </a:t>
             </a:r>
           </a:p>
         </p:txBody>
@@ -14599,7 +14599,7 @@
           <a:p>
             <a:r>
               <a:rPr lang="fr-FR" sz="2400" noProof="1"/>
-              <a:t>	usually only one way to make it wider</a:t>
+              <a:t>	usually only one way to make it longer</a:t>
             </a:r>
           </a:p>
           <a:p>
